--- a/rapports/Présentation.pptx
+++ b/rapports/Présentation.pptx
@@ -268,7 +268,7 @@
           <a:p>
             <a:fld id="{490E5543-D33E-446F-8DB1-BFAC0A4AB137}" type="datetimeFigureOut">
               <a:rPr lang="fr-FR" smtClean="0"/>
-              <a:t>28/01/2025</a:t>
+              <a:t>29/01/2025</a:t>
             </a:fld>
             <a:endParaRPr lang="fr-FR"/>
           </a:p>
@@ -466,7 +466,7 @@
           <a:p>
             <a:fld id="{490E5543-D33E-446F-8DB1-BFAC0A4AB137}" type="datetimeFigureOut">
               <a:rPr lang="fr-FR" smtClean="0"/>
-              <a:t>28/01/2025</a:t>
+              <a:t>29/01/2025</a:t>
             </a:fld>
             <a:endParaRPr lang="fr-FR"/>
           </a:p>
@@ -674,7 +674,7 @@
           <a:p>
             <a:fld id="{490E5543-D33E-446F-8DB1-BFAC0A4AB137}" type="datetimeFigureOut">
               <a:rPr lang="fr-FR" smtClean="0"/>
-              <a:t>28/01/2025</a:t>
+              <a:t>29/01/2025</a:t>
             </a:fld>
             <a:endParaRPr lang="fr-FR"/>
           </a:p>
@@ -872,7 +872,7 @@
           <a:p>
             <a:fld id="{490E5543-D33E-446F-8DB1-BFAC0A4AB137}" type="datetimeFigureOut">
               <a:rPr lang="fr-FR" smtClean="0"/>
-              <a:t>28/01/2025</a:t>
+              <a:t>29/01/2025</a:t>
             </a:fld>
             <a:endParaRPr lang="fr-FR"/>
           </a:p>
@@ -1147,7 +1147,7 @@
           <a:p>
             <a:fld id="{490E5543-D33E-446F-8DB1-BFAC0A4AB137}" type="datetimeFigureOut">
               <a:rPr lang="fr-FR" smtClean="0"/>
-              <a:t>28/01/2025</a:t>
+              <a:t>29/01/2025</a:t>
             </a:fld>
             <a:endParaRPr lang="fr-FR"/>
           </a:p>
@@ -1412,7 +1412,7 @@
           <a:p>
             <a:fld id="{490E5543-D33E-446F-8DB1-BFAC0A4AB137}" type="datetimeFigureOut">
               <a:rPr lang="fr-FR" smtClean="0"/>
-              <a:t>28/01/2025</a:t>
+              <a:t>29/01/2025</a:t>
             </a:fld>
             <a:endParaRPr lang="fr-FR"/>
           </a:p>
@@ -1824,7 +1824,7 @@
           <a:p>
             <a:fld id="{490E5543-D33E-446F-8DB1-BFAC0A4AB137}" type="datetimeFigureOut">
               <a:rPr lang="fr-FR" smtClean="0"/>
-              <a:t>28/01/2025</a:t>
+              <a:t>29/01/2025</a:t>
             </a:fld>
             <a:endParaRPr lang="fr-FR"/>
           </a:p>
@@ -1965,7 +1965,7 @@
           <a:p>
             <a:fld id="{490E5543-D33E-446F-8DB1-BFAC0A4AB137}" type="datetimeFigureOut">
               <a:rPr lang="fr-FR" smtClean="0"/>
-              <a:t>28/01/2025</a:t>
+              <a:t>29/01/2025</a:t>
             </a:fld>
             <a:endParaRPr lang="fr-FR"/>
           </a:p>
@@ -2078,7 +2078,7 @@
           <a:p>
             <a:fld id="{490E5543-D33E-446F-8DB1-BFAC0A4AB137}" type="datetimeFigureOut">
               <a:rPr lang="fr-FR" smtClean="0"/>
-              <a:t>28/01/2025</a:t>
+              <a:t>29/01/2025</a:t>
             </a:fld>
             <a:endParaRPr lang="fr-FR"/>
           </a:p>
@@ -2389,7 +2389,7 @@
           <a:p>
             <a:fld id="{490E5543-D33E-446F-8DB1-BFAC0A4AB137}" type="datetimeFigureOut">
               <a:rPr lang="fr-FR" smtClean="0"/>
-              <a:t>28/01/2025</a:t>
+              <a:t>29/01/2025</a:t>
             </a:fld>
             <a:endParaRPr lang="fr-FR"/>
           </a:p>
@@ -2677,7 +2677,7 @@
           <a:p>
             <a:fld id="{490E5543-D33E-446F-8DB1-BFAC0A4AB137}" type="datetimeFigureOut">
               <a:rPr lang="fr-FR" smtClean="0"/>
-              <a:t>28/01/2025</a:t>
+              <a:t>29/01/2025</a:t>
             </a:fld>
             <a:endParaRPr lang="fr-FR"/>
           </a:p>
@@ -2918,7 +2918,7 @@
           <a:p>
             <a:fld id="{490E5543-D33E-446F-8DB1-BFAC0A4AB137}" type="datetimeFigureOut">
               <a:rPr lang="fr-FR" smtClean="0"/>
-              <a:t>28/01/2025</a:t>
+              <a:t>29/01/2025</a:t>
             </a:fld>
             <a:endParaRPr lang="fr-FR"/>
           </a:p>
@@ -5383,8 +5383,8 @@
         </p:blipFill>
         <p:spPr>
           <a:xfrm>
-            <a:off x="745465" y="632549"/>
-            <a:ext cx="10701068" cy="5992294"/>
+            <a:off x="747096" y="632549"/>
+            <a:ext cx="10697805" cy="5992294"/>
           </a:xfrm>
           <a:prstGeom prst="rect">
             <a:avLst/>
